--- a/DSC CMMS pres1_2018_06_26_1429.pptx
+++ b/DSC CMMS pres1_2018_06_26_1429.pptx
@@ -264,7 +264,7 @@
               <a:pPr>
                 <a:defRPr/>
               </a:pPr>
-              <a:t>6/27/2018</a:t>
+              <a:t>6/28/2018</a:t>
             </a:fld>
             <a:endParaRPr lang="en-US"/>
           </a:p>
@@ -822,7 +822,7 @@
               <a:pPr>
                 <a:defRPr/>
               </a:pPr>
-              <a:t>6/27/2018</a:t>
+              <a:t>6/28/2018</a:t>
             </a:fld>
             <a:endParaRPr lang="en-US" dirty="0"/>
           </a:p>
@@ -1225,7 +1225,7 @@
               <a:pPr>
                 <a:defRPr/>
               </a:pPr>
-              <a:t>6/27/2018</a:t>
+              <a:t>6/28/2018</a:t>
             </a:fld>
             <a:endParaRPr lang="en-US"/>
           </a:p>
@@ -1638,7 +1638,7 @@
               <a:pPr>
                 <a:defRPr/>
               </a:pPr>
-              <a:t>6/27/2018</a:t>
+              <a:t>6/28/2018</a:t>
             </a:fld>
             <a:endParaRPr lang="en-US"/>
           </a:p>
@@ -2136,7 +2136,7 @@
               <a:pPr>
                 <a:defRPr/>
               </a:pPr>
-              <a:t>6/27/2018</a:t>
+              <a:t>6/28/2018</a:t>
             </a:fld>
             <a:endParaRPr lang="en-US" dirty="0"/>
           </a:p>
@@ -2247,7 +2247,7 @@
               <a:pPr>
                 <a:defRPr/>
               </a:pPr>
-              <a:t>6/27/2018</a:t>
+              <a:t>6/28/2018</a:t>
             </a:fld>
             <a:endParaRPr lang="en-US"/>
           </a:p>
@@ -2727,7 +2727,7 @@
               <a:pPr>
                 <a:defRPr/>
               </a:pPr>
-              <a:t>6/27/2018</a:t>
+              <a:t>6/28/2018</a:t>
             </a:fld>
             <a:endParaRPr lang="en-US"/>
           </a:p>
@@ -3247,7 +3247,7 @@
               <a:pPr>
                 <a:defRPr/>
               </a:pPr>
-              <a:t>6/27/2018</a:t>
+              <a:t>6/28/2018</a:t>
             </a:fld>
             <a:endParaRPr lang="en-US"/>
           </a:p>
@@ -3901,7 +3901,7 @@
               <a:pPr>
                 <a:defRPr/>
               </a:pPr>
-              <a:t>6/27/2018</a:t>
+              <a:t>6/28/2018</a:t>
             </a:fld>
             <a:endParaRPr lang="en-US" dirty="0"/>
           </a:p>
@@ -4253,7 +4253,7 @@
               <a:pPr>
                 <a:defRPr/>
               </a:pPr>
-              <a:t>6/27/2018</a:t>
+              <a:t>6/28/2018</a:t>
             </a:fld>
             <a:endParaRPr lang="en-US"/>
           </a:p>
@@ -4763,7 +4763,7 @@
               <a:pPr>
                 <a:defRPr/>
               </a:pPr>
-              <a:t>6/27/2018</a:t>
+              <a:t>6/28/2018</a:t>
             </a:fld>
             <a:endParaRPr lang="en-US"/>
           </a:p>
@@ -5256,7 +5256,7 @@
               <a:pPr>
                 <a:defRPr/>
               </a:pPr>
-              <a:t>6/27/2018</a:t>
+              <a:t>6/28/2018</a:t>
             </a:fld>
             <a:endParaRPr lang="en-US"/>
           </a:p>
@@ -5536,7 +5536,7 @@
               <a:pPr>
                 <a:defRPr/>
               </a:pPr>
-              <a:t>6/27/2018</a:t>
+              <a:t>6/28/2018</a:t>
             </a:fld>
             <a:endParaRPr lang="en-US"/>
           </a:p>
@@ -6666,7 +6666,7 @@
           <p:nvPr>
             <p:extLst>
               <p:ext uri="{D42A27DB-BD31-4B8C-83A1-F6EECF244321}">
-                <p14:modId xmlns:p14="http://schemas.microsoft.com/office/powerpoint/2010/main" val="3466894324"/>
+                <p14:modId xmlns:p14="http://schemas.microsoft.com/office/powerpoint/2010/main" val="3166159736"/>
               </p:ext>
             </p:extLst>
           </p:nvPr>
@@ -7115,10 +7115,22 @@
                     <a:p>
                       <a:pPr algn="l" fontAlgn="t"/>
                       <a:r>
+                        <a:rPr lang="en-US" sz="1600" u="none" strike="noStrike" dirty="0">
+                          <a:effectLst/>
+                        </a:rPr>
+                        <a:t>Anesthesia Unit, </a:t>
+                      </a:r>
+                      <a:r>
+                        <a:rPr lang="en-US" sz="1600" u="none" strike="noStrike" dirty="0" err="1">
+                          <a:effectLst/>
+                        </a:rPr>
+                        <a:t>Aestiva</a:t>
+                      </a:r>
+                      <a:r>
                         <a:rPr lang="en-US" sz="1600" u="none" strike="noStrike">
                           <a:effectLst/>
                         </a:rPr>
-                        <a:t>Anesthesia Unit, Aestiva MRI (107275) ABS leaks </a:t>
+                        <a:t> MRI ABS leaks </a:t>
                       </a:r>
                       <a:endParaRPr lang="en-US" sz="1600" b="0" i="0" u="none" strike="noStrike">
                         <a:solidFill>
